--- a/Előadás/Linq.ppt.pptx
+++ b/Előadás/Linq.ppt.pptx
@@ -8,6 +8,8 @@
     <p:sldId id="256" r:id="rId2"/>
     <p:sldId id="257" r:id="rId3"/>
     <p:sldId id="258" r:id="rId4"/>
+    <p:sldId id="259" r:id="rId5"/>
+    <p:sldId id="260" r:id="rId6"/>
   </p:sldIdLst>
   <p:sldSz cx="12192000" cy="6858000"/>
   <p:notesSz cx="6858000" cy="9144000"/>
@@ -106,6 +108,11 @@
       </a:defRPr>
     </a:lvl9pPr>
   </p:defaultTextStyle>
+  <p:extLst>
+    <p:ext uri="{EFAFB233-063F-42B5-8137-9DF3F51BA10A}">
+      <p15:sldGuideLst xmlns:p15="http://schemas.microsoft.com/office/powerpoint/2012/main"/>
+    </p:ext>
+  </p:extLst>
 </p:presentation>
 </file>
 
@@ -204,7 +211,7 @@
           <a:effectLst/>
           <a:extLst>
             <a:ext uri="{91240B29-F687-4f45-9708-019B960494DF}">
-              <a14:hiddenLine xmlns:a14="http://schemas.microsoft.com/office/drawing/2010/main" xmlns="" w="9525">
+              <a14:hiddenLine xmlns="" xmlns:a14="http://schemas.microsoft.com/office/drawing/2010/main" w="9525">
                 <a:solidFill>
                   <a:srgbClr val="000000"/>
                 </a:solidFill>
@@ -397,7 +404,7 @@
             <a:fld id="{08B9EBBA-996F-894A-B54A-D6246ED52CEA}" type="datetimeFigureOut">
               <a:rPr lang="en-US" dirty="0"/>
               <a:pPr/>
-              <a:t>1/29/2024</a:t>
+              <a:t>2/28/2024</a:t>
             </a:fld>
             <a:endParaRPr lang="en-US" dirty="0"/>
           </a:p>
@@ -712,7 +719,7 @@
             <a:fld id="{18C79C5D-2A6F-F04D-97DA-BEF2467B64E4}" type="datetimeFigureOut">
               <a:rPr lang="en-US" dirty="0"/>
               <a:pPr/>
-              <a:t>1/29/2024</a:t>
+              <a:t>2/28/2024</a:t>
             </a:fld>
             <a:endParaRPr lang="en-US" dirty="0"/>
           </a:p>
@@ -1197,7 +1204,7 @@
             <a:fld id="{8DFA1846-DA80-1C48-A609-854EA85C59AD}" type="datetimeFigureOut">
               <a:rPr lang="en-US" dirty="0"/>
               <a:pPr/>
-              <a:t>1/29/2024</a:t>
+              <a:t>2/28/2024</a:t>
             </a:fld>
             <a:endParaRPr lang="en-US" dirty="0"/>
           </a:p>
@@ -1563,7 +1570,7 @@
             <a:fld id="{FBF54567-0DE4-3F47-BF90-CB84690072F9}" type="datetimeFigureOut">
               <a:rPr lang="en-US" dirty="0"/>
               <a:pPr/>
-              <a:t>1/29/2024</a:t>
+              <a:t>2/28/2024</a:t>
             </a:fld>
             <a:endParaRPr lang="en-US" dirty="0"/>
           </a:p>
@@ -1714,7 +1721,7 @@
           <a:ln/>
           <a:extLst>
             <a:ext uri="{91240B29-F687-4f45-9708-019B960494DF}">
-              <a14:hiddenLine xmlns:a14="http://schemas.microsoft.com/office/drawing/2010/main" xmlns="" w="9525">
+              <a14:hiddenLine xmlns="" xmlns:a14="http://schemas.microsoft.com/office/drawing/2010/main" w="9525">
                 <a:solidFill>
                   <a:srgbClr val="000000"/>
                 </a:solidFill>
@@ -1833,7 +1840,7 @@
             <a:fld id="{C6C52C72-DE31-F449-A4ED-4C594FD91407}" type="datetimeFigureOut">
               <a:rPr lang="en-US" dirty="0"/>
               <a:pPr/>
-              <a:t>1/29/2024</a:t>
+              <a:t>2/28/2024</a:t>
             </a:fld>
             <a:endParaRPr lang="en-US" dirty="0"/>
           </a:p>
@@ -1986,7 +1993,7 @@
           <a:ln/>
           <a:extLst>
             <a:ext uri="{91240B29-F687-4f45-9708-019B960494DF}">
-              <a14:hiddenLine xmlns:a14="http://schemas.microsoft.com/office/drawing/2010/main" xmlns="" w="9525">
+              <a14:hiddenLine xmlns="" xmlns:a14="http://schemas.microsoft.com/office/drawing/2010/main" w="9525">
                 <a:solidFill>
                   <a:srgbClr val="000000"/>
                 </a:solidFill>
@@ -2115,7 +2122,7 @@
             <a:fld id="{ED62726E-379B-B349-9EED-81ED093FA806}" type="datetimeFigureOut">
               <a:rPr lang="en-US" dirty="0"/>
               <a:pPr/>
-              <a:t>1/29/2024</a:t>
+              <a:t>2/28/2024</a:t>
             </a:fld>
             <a:endParaRPr lang="en-US" dirty="0"/>
           </a:p>
@@ -2266,7 +2273,7 @@
           <a:ln/>
           <a:extLst>
             <a:ext uri="{91240B29-F687-4f45-9708-019B960494DF}">
-              <a14:hiddenLine xmlns:a14="http://schemas.microsoft.com/office/drawing/2010/main" xmlns="" w="9525">
+              <a14:hiddenLine xmlns="" xmlns:a14="http://schemas.microsoft.com/office/drawing/2010/main" w="9525">
                 <a:solidFill>
                   <a:srgbClr val="000000"/>
                 </a:solidFill>
@@ -2395,7 +2402,7 @@
             <a:fld id="{9B3A1323-8D79-1946-B0D7-40001CF92E9D}" type="datetimeFigureOut">
               <a:rPr lang="en-US" dirty="0"/>
               <a:pPr/>
-              <a:t>1/29/2024</a:t>
+              <a:t>2/28/2024</a:t>
             </a:fld>
             <a:endParaRPr lang="en-US" dirty="0"/>
           </a:p>
@@ -2735,7 +2742,7 @@
             <a:fld id="{8DFA1846-DA80-1C48-A609-854EA85C59AD}" type="datetimeFigureOut">
               <a:rPr lang="en-US" dirty="0"/>
               <a:pPr/>
-              <a:t>1/29/2024</a:t>
+              <a:t>2/28/2024</a:t>
             </a:fld>
             <a:endParaRPr lang="en-US" dirty="0"/>
           </a:p>
@@ -2886,7 +2893,7 @@
           <a:ln/>
           <a:extLst>
             <a:ext uri="{91240B29-F687-4f45-9708-019B960494DF}">
-              <a14:hiddenLine xmlns:a14="http://schemas.microsoft.com/office/drawing/2010/main" xmlns="" w="9525">
+              <a14:hiddenLine xmlns="" xmlns:a14="http://schemas.microsoft.com/office/drawing/2010/main" w="9525">
                 <a:solidFill>
                   <a:srgbClr val="000000"/>
                 </a:solidFill>
@@ -3071,7 +3078,7 @@
             <a:fld id="{57302355-E14B-8545-A8F8-0FE83CC9D524}" type="datetimeFigureOut">
               <a:rPr lang="en-US" dirty="0"/>
               <a:pPr/>
-              <a:t>1/29/2024</a:t>
+              <a:t>2/28/2024</a:t>
             </a:fld>
             <a:endParaRPr lang="en-US" dirty="0"/>
           </a:p>
@@ -3222,7 +3229,7 @@
           <a:ln/>
           <a:extLst>
             <a:ext uri="{91240B29-F687-4f45-9708-019B960494DF}">
-              <a14:hiddenLine xmlns:a14="http://schemas.microsoft.com/office/drawing/2010/main" xmlns="" w="9525">
+              <a14:hiddenLine xmlns="" xmlns:a14="http://schemas.microsoft.com/office/drawing/2010/main" w="9525">
                 <a:solidFill>
                   <a:srgbClr val="000000"/>
                 </a:solidFill>
@@ -3545,7 +3552,7 @@
             <a:fld id="{02640F58-564D-2B4F-AE67-E407BA4FCF45}" type="datetimeFigureOut">
               <a:rPr lang="en-US" dirty="0"/>
               <a:pPr/>
-              <a:t>1/29/2024</a:t>
+              <a:t>2/28/2024</a:t>
             </a:fld>
             <a:endParaRPr lang="en-US" dirty="0"/>
           </a:p>
@@ -3696,7 +3703,7 @@
           <a:ln/>
           <a:extLst>
             <a:ext uri="{91240B29-F687-4f45-9708-019B960494DF}">
-              <a14:hiddenLine xmlns:a14="http://schemas.microsoft.com/office/drawing/2010/main" xmlns="" w="9525">
+              <a14:hiddenLine xmlns="" xmlns:a14="http://schemas.microsoft.com/office/drawing/2010/main" w="9525">
                 <a:solidFill>
                   <a:srgbClr val="000000"/>
                 </a:solidFill>
@@ -3763,7 +3770,7 @@
             <a:fld id="{F13A34C8-038E-2045-AF43-DF7DBB8E0E9E}" type="datetimeFigureOut">
               <a:rPr lang="en-US" dirty="0"/>
               <a:pPr/>
-              <a:t>1/29/2024</a:t>
+              <a:t>2/28/2024</a:t>
             </a:fld>
             <a:endParaRPr lang="en-US" dirty="0"/>
           </a:p>
@@ -3855,7 +3862,7 @@
             <a:fld id="{8818C68F-D26B-8F47-958C-23B49CF8A634}" type="datetimeFigureOut">
               <a:rPr lang="en-US" dirty="0"/>
               <a:pPr/>
-              <a:t>1/29/2024</a:t>
+              <a:t>2/28/2024</a:t>
             </a:fld>
             <a:endParaRPr lang="en-US" dirty="0"/>
           </a:p>
@@ -4119,7 +4126,7 @@
           <a:ln/>
           <a:extLst>
             <a:ext uri="{91240B29-F687-4f45-9708-019B960494DF}">
-              <a14:hiddenLine xmlns:a14="http://schemas.microsoft.com/office/drawing/2010/main" xmlns="" w="9525">
+              <a14:hiddenLine xmlns="" xmlns:a14="http://schemas.microsoft.com/office/drawing/2010/main" w="9525">
                 <a:solidFill>
                   <a:srgbClr val="000000"/>
                 </a:solidFill>
@@ -4319,7 +4326,7 @@
             <a:fld id="{D0DF5E60-9974-AC48-9591-99C2BB44B7CF}" type="datetimeFigureOut">
               <a:rPr lang="en-US" dirty="0"/>
               <a:pPr/>
-              <a:t>1/29/2024</a:t>
+              <a:t>2/28/2024</a:t>
             </a:fld>
             <a:endParaRPr lang="en-US" dirty="0"/>
           </a:p>
@@ -4629,7 +4636,7 @@
             <a:fld id="{18C79C5D-2A6F-F04D-97DA-BEF2467B64E4}" type="datetimeFigureOut">
               <a:rPr lang="en-US" dirty="0"/>
               <a:pPr/>
-              <a:t>1/29/2024</a:t>
+              <a:t>2/28/2024</a:t>
             </a:fld>
             <a:endParaRPr lang="en-US" dirty="0"/>
           </a:p>
@@ -4896,7 +4903,7 @@
             <a:fld id="{09B482E8-6E0E-1B4F-B1FD-C69DB9E858D9}" type="datetimeFigureOut">
               <a:rPr lang="en-US" dirty="0"/>
               <a:pPr/>
-              <a:t>1/29/2024</a:t>
+              <a:t>2/28/2024</a:t>
             </a:fld>
             <a:endParaRPr lang="en-US" dirty="0"/>
           </a:p>
@@ -5688,6 +5695,314 @@
 </p:sld>
 </file>
 
+<file path=ppt/slides/slide4.xml><?xml version="1.0" encoding="utf-8"?>
+<p:sld xmlns:a="http://schemas.openxmlformats.org/drawingml/2006/main" xmlns:r="http://schemas.openxmlformats.org/officeDocument/2006/relationships" xmlns:p="http://schemas.openxmlformats.org/presentationml/2006/main">
+  <p:cSld>
+    <p:spTree>
+      <p:nvGrpSpPr>
+        <p:cNvPr id="1" name=""/>
+        <p:cNvGrpSpPr/>
+        <p:nvPr/>
+      </p:nvGrpSpPr>
+      <p:grpSpPr>
+        <a:xfrm>
+          <a:off x="0" y="0"/>
+          <a:ext cx="0" cy="0"/>
+          <a:chOff x="0" y="0"/>
+          <a:chExt cx="0" cy="0"/>
+        </a:xfrm>
+      </p:grpSpPr>
+      <p:sp>
+        <p:nvSpPr>
+          <p:cNvPr id="2" name="Cím 1">
+            <a:extLst>
+              <a:ext uri="{FF2B5EF4-FFF2-40B4-BE49-F238E27FC236}">
+                <a16:creationId xmlns:a16="http://schemas.microsoft.com/office/drawing/2014/main" id="{981B22A7-6972-409F-90E8-6FD0B8E61594}"/>
+              </a:ext>
+            </a:extLst>
+          </p:cNvPr>
+          <p:cNvSpPr>
+            <a:spLocks noGrp="1"/>
+          </p:cNvSpPr>
+          <p:nvPr>
+            <p:ph type="title"/>
+          </p:nvPr>
+        </p:nvSpPr>
+        <p:spPr>
+          <a:xfrm>
+            <a:off x="216310" y="3807816"/>
+            <a:ext cx="10571998" cy="970450"/>
+          </a:xfrm>
+        </p:spPr>
+        <p:txBody>
+          <a:bodyPr/>
+          <a:lstStyle/>
+          <a:p>
+            <a:r>
+              <a:rPr lang="hu-HU" sz="1600" b="0" dirty="0"/>
+              <a:t>Itt megkaphatjuk  hogy országonkénti mennyi csapat van</a:t>
+            </a:r>
+          </a:p>
+        </p:txBody>
+      </p:sp>
+      <p:pic>
+        <p:nvPicPr>
+          <p:cNvPr id="6" name="Tartalom helye 5">
+            <a:extLst>
+              <a:ext uri="{FF2B5EF4-FFF2-40B4-BE49-F238E27FC236}">
+                <a16:creationId xmlns:a16="http://schemas.microsoft.com/office/drawing/2014/main" id="{446BDF5E-C776-4D18-A074-26F0D9F4E1A1}"/>
+              </a:ext>
+            </a:extLst>
+          </p:cNvPr>
+          <p:cNvPicPr>
+            <a:picLocks noGrp="1" noChangeAspect="1"/>
+          </p:cNvPicPr>
+          <p:nvPr>
+            <p:ph idx="1"/>
+          </p:nvPr>
+        </p:nvPicPr>
+        <p:blipFill>
+          <a:blip r:embed="rId2"/>
+          <a:stretch>
+            <a:fillRect/>
+          </a:stretch>
+        </p:blipFill>
+        <p:spPr>
+          <a:xfrm>
+            <a:off x="3960349" y="2858020"/>
+            <a:ext cx="3529192" cy="1117154"/>
+          </a:xfrm>
+          <a:prstGeom prst="rect">
+            <a:avLst/>
+          </a:prstGeom>
+        </p:spPr>
+      </p:pic>
+      <p:pic>
+        <p:nvPicPr>
+          <p:cNvPr id="4" name="Kép 3">
+            <a:extLst>
+              <a:ext uri="{FF2B5EF4-FFF2-40B4-BE49-F238E27FC236}">
+                <a16:creationId xmlns:a16="http://schemas.microsoft.com/office/drawing/2014/main" id="{4D313F8F-5BBF-47BC-8180-545EC1E886F2}"/>
+              </a:ext>
+            </a:extLst>
+          </p:cNvPr>
+          <p:cNvPicPr>
+            <a:picLocks noChangeAspect="1"/>
+          </p:cNvPicPr>
+          <p:nvPr/>
+        </p:nvPicPr>
+        <p:blipFill>
+          <a:blip r:embed="rId3"/>
+          <a:stretch>
+            <a:fillRect/>
+          </a:stretch>
+        </p:blipFill>
+        <p:spPr>
+          <a:xfrm>
+            <a:off x="0" y="0"/>
+            <a:ext cx="3238097" cy="3975174"/>
+          </a:xfrm>
+          <a:prstGeom prst="rect">
+            <a:avLst/>
+          </a:prstGeom>
+        </p:spPr>
+      </p:pic>
+      <p:pic>
+        <p:nvPicPr>
+          <p:cNvPr id="5" name="Kép 4">
+            <a:extLst>
+              <a:ext uri="{FF2B5EF4-FFF2-40B4-BE49-F238E27FC236}">
+                <a16:creationId xmlns:a16="http://schemas.microsoft.com/office/drawing/2014/main" id="{AE6E1C40-EA4F-4BA7-90C1-91D2D3B0CFBF}"/>
+              </a:ext>
+            </a:extLst>
+          </p:cNvPr>
+          <p:cNvPicPr>
+            <a:picLocks noChangeAspect="1"/>
+          </p:cNvPicPr>
+          <p:nvPr/>
+        </p:nvPicPr>
+        <p:blipFill>
+          <a:blip r:embed="rId4"/>
+          <a:stretch>
+            <a:fillRect/>
+          </a:stretch>
+        </p:blipFill>
+        <p:spPr>
+          <a:xfrm>
+            <a:off x="3960349" y="567298"/>
+            <a:ext cx="2909577" cy="1654989"/>
+          </a:xfrm>
+          <a:prstGeom prst="rect">
+            <a:avLst/>
+          </a:prstGeom>
+        </p:spPr>
+      </p:pic>
+    </p:spTree>
+    <p:extLst>
+      <p:ext uri="{BB962C8B-B14F-4D97-AF65-F5344CB8AC3E}">
+        <p14:creationId xmlns:p14="http://schemas.microsoft.com/office/powerpoint/2010/main" val="20424399"/>
+      </p:ext>
+    </p:extLst>
+  </p:cSld>
+  <p:clrMapOvr>
+    <a:masterClrMapping/>
+  </p:clrMapOvr>
+</p:sld>
+</file>
+
+<file path=ppt/slides/slide5.xml><?xml version="1.0" encoding="utf-8"?>
+<p:sld xmlns:a="http://schemas.openxmlformats.org/drawingml/2006/main" xmlns:r="http://schemas.openxmlformats.org/officeDocument/2006/relationships" xmlns:p="http://schemas.openxmlformats.org/presentationml/2006/main">
+  <p:cSld>
+    <p:spTree>
+      <p:nvGrpSpPr>
+        <p:cNvPr id="1" name=""/>
+        <p:cNvGrpSpPr/>
+        <p:nvPr/>
+      </p:nvGrpSpPr>
+      <p:grpSpPr>
+        <a:xfrm>
+          <a:off x="0" y="0"/>
+          <a:ext cx="0" cy="0"/>
+          <a:chOff x="0" y="0"/>
+          <a:chExt cx="0" cy="0"/>
+        </a:xfrm>
+      </p:grpSpPr>
+      <p:sp>
+        <p:nvSpPr>
+          <p:cNvPr id="2" name="Cím 1">
+            <a:extLst>
+              <a:ext uri="{FF2B5EF4-FFF2-40B4-BE49-F238E27FC236}">
+                <a16:creationId xmlns:a16="http://schemas.microsoft.com/office/drawing/2014/main" id="{867D317A-AC20-42BA-8720-67ADBCF555BB}"/>
+              </a:ext>
+            </a:extLst>
+          </p:cNvPr>
+          <p:cNvSpPr>
+            <a:spLocks noGrp="1"/>
+          </p:cNvSpPr>
+          <p:nvPr>
+            <p:ph type="title"/>
+          </p:nvPr>
+        </p:nvSpPr>
+        <p:spPr>
+          <a:xfrm>
+            <a:off x="810001" y="4669331"/>
+            <a:ext cx="10571998" cy="970450"/>
+          </a:xfrm>
+        </p:spPr>
+        <p:txBody>
+          <a:bodyPr/>
+          <a:lstStyle/>
+          <a:p>
+            <a:r>
+              <a:rPr lang="hu-HU" sz="1600" b="0" dirty="0"/>
+              <a:t>Itt megkapjuk a 3 legtöbb bajnoki címmel rendelkező csapatot</a:t>
+            </a:r>
+          </a:p>
+        </p:txBody>
+      </p:sp>
+      <p:pic>
+        <p:nvPicPr>
+          <p:cNvPr id="4" name="Kép 3">
+            <a:extLst>
+              <a:ext uri="{FF2B5EF4-FFF2-40B4-BE49-F238E27FC236}">
+                <a16:creationId xmlns:a16="http://schemas.microsoft.com/office/drawing/2014/main" id="{1F27F94A-6566-4BBD-831B-F3EF0B43E4B0}"/>
+              </a:ext>
+            </a:extLst>
+          </p:cNvPr>
+          <p:cNvPicPr>
+            <a:picLocks noChangeAspect="1"/>
+          </p:cNvPicPr>
+          <p:nvPr/>
+        </p:nvPicPr>
+        <p:blipFill>
+          <a:blip r:embed="rId2"/>
+          <a:stretch>
+            <a:fillRect/>
+          </a:stretch>
+        </p:blipFill>
+        <p:spPr>
+          <a:xfrm>
+            <a:off x="4483142" y="2787385"/>
+            <a:ext cx="2673032" cy="1490418"/>
+          </a:xfrm>
+          <a:prstGeom prst="rect">
+            <a:avLst/>
+          </a:prstGeom>
+        </p:spPr>
+      </p:pic>
+      <p:pic>
+        <p:nvPicPr>
+          <p:cNvPr id="5" name="Kép 4">
+            <a:extLst>
+              <a:ext uri="{FF2B5EF4-FFF2-40B4-BE49-F238E27FC236}">
+                <a16:creationId xmlns:a16="http://schemas.microsoft.com/office/drawing/2014/main" id="{B06427D2-FC7E-4A82-AB88-14336FA4B3F6}"/>
+              </a:ext>
+            </a:extLst>
+          </p:cNvPr>
+          <p:cNvPicPr>
+            <a:picLocks noChangeAspect="1"/>
+          </p:cNvPicPr>
+          <p:nvPr/>
+        </p:nvPicPr>
+        <p:blipFill>
+          <a:blip r:embed="rId3"/>
+          <a:stretch>
+            <a:fillRect/>
+          </a:stretch>
+        </p:blipFill>
+        <p:spPr>
+          <a:xfrm>
+            <a:off x="1" y="1"/>
+            <a:ext cx="3997800" cy="4277802"/>
+          </a:xfrm>
+          <a:prstGeom prst="rect">
+            <a:avLst/>
+          </a:prstGeom>
+        </p:spPr>
+      </p:pic>
+      <p:pic>
+        <p:nvPicPr>
+          <p:cNvPr id="6" name="Kép 5">
+            <a:extLst>
+              <a:ext uri="{FF2B5EF4-FFF2-40B4-BE49-F238E27FC236}">
+                <a16:creationId xmlns:a16="http://schemas.microsoft.com/office/drawing/2014/main" id="{DFD95525-DBE9-47A9-9D4B-FDD3E56AE3C8}"/>
+              </a:ext>
+            </a:extLst>
+          </p:cNvPr>
+          <p:cNvPicPr>
+            <a:picLocks noChangeAspect="1"/>
+          </p:cNvPicPr>
+          <p:nvPr/>
+        </p:nvPicPr>
+        <p:blipFill>
+          <a:blip r:embed="rId4"/>
+          <a:stretch>
+            <a:fillRect/>
+          </a:stretch>
+        </p:blipFill>
+        <p:spPr>
+          <a:xfrm>
+            <a:off x="4483142" y="1323382"/>
+            <a:ext cx="3650675" cy="815520"/>
+          </a:xfrm>
+          <a:prstGeom prst="rect">
+            <a:avLst/>
+          </a:prstGeom>
+        </p:spPr>
+      </p:pic>
+    </p:spTree>
+    <p:extLst>
+      <p:ext uri="{BB962C8B-B14F-4D97-AF65-F5344CB8AC3E}">
+        <p14:creationId xmlns:p14="http://schemas.microsoft.com/office/powerpoint/2010/main" val="1754783571"/>
+      </p:ext>
+    </p:extLst>
+  </p:cSld>
+  <p:clrMapOvr>
+    <a:masterClrMapping/>
+  </p:clrMapOvr>
+</p:sld>
+</file>
+
 <file path=ppt/theme/theme1.xml><?xml version="1.0" encoding="utf-8"?>
 <a:theme xmlns:a="http://schemas.openxmlformats.org/drawingml/2006/main" name="Jegyezhető">
   <a:themeElements>

--- a/Előadás/Linq.ppt.pptx
+++ b/Előadás/Linq.ppt.pptx
@@ -10,6 +10,10 @@
     <p:sldId id="258" r:id="rId4"/>
     <p:sldId id="259" r:id="rId5"/>
     <p:sldId id="260" r:id="rId6"/>
+    <p:sldId id="261" r:id="rId7"/>
+    <p:sldId id="262" r:id="rId8"/>
+    <p:sldId id="263" r:id="rId9"/>
+    <p:sldId id="264" r:id="rId10"/>
   </p:sldIdLst>
   <p:sldSz cx="12192000" cy="6858000"/>
   <p:notesSz cx="6858000" cy="9144000"/>
@@ -211,7 +215,7 @@
           <a:effectLst/>
           <a:extLst>
             <a:ext uri="{91240B29-F687-4f45-9708-019B960494DF}">
-              <a14:hiddenLine xmlns="" xmlns:a14="http://schemas.microsoft.com/office/drawing/2010/main" w="9525">
+              <a14:hiddenLine xmlns:a14="http://schemas.microsoft.com/office/drawing/2010/main" xmlns="" w="9525">
                 <a:solidFill>
                   <a:srgbClr val="000000"/>
                 </a:solidFill>
@@ -1721,7 +1725,7 @@
           <a:ln/>
           <a:extLst>
             <a:ext uri="{91240B29-F687-4f45-9708-019B960494DF}">
-              <a14:hiddenLine xmlns="" xmlns:a14="http://schemas.microsoft.com/office/drawing/2010/main" w="9525">
+              <a14:hiddenLine xmlns:a14="http://schemas.microsoft.com/office/drawing/2010/main" xmlns="" w="9525">
                 <a:solidFill>
                   <a:srgbClr val="000000"/>
                 </a:solidFill>
@@ -1993,7 +1997,7 @@
           <a:ln/>
           <a:extLst>
             <a:ext uri="{91240B29-F687-4f45-9708-019B960494DF}">
-              <a14:hiddenLine xmlns="" xmlns:a14="http://schemas.microsoft.com/office/drawing/2010/main" w="9525">
+              <a14:hiddenLine xmlns:a14="http://schemas.microsoft.com/office/drawing/2010/main" xmlns="" w="9525">
                 <a:solidFill>
                   <a:srgbClr val="000000"/>
                 </a:solidFill>
@@ -2273,7 +2277,7 @@
           <a:ln/>
           <a:extLst>
             <a:ext uri="{91240B29-F687-4f45-9708-019B960494DF}">
-              <a14:hiddenLine xmlns="" xmlns:a14="http://schemas.microsoft.com/office/drawing/2010/main" w="9525">
+              <a14:hiddenLine xmlns:a14="http://schemas.microsoft.com/office/drawing/2010/main" xmlns="" w="9525">
                 <a:solidFill>
                   <a:srgbClr val="000000"/>
                 </a:solidFill>
@@ -2893,7 +2897,7 @@
           <a:ln/>
           <a:extLst>
             <a:ext uri="{91240B29-F687-4f45-9708-019B960494DF}">
-              <a14:hiddenLine xmlns="" xmlns:a14="http://schemas.microsoft.com/office/drawing/2010/main" w="9525">
+              <a14:hiddenLine xmlns:a14="http://schemas.microsoft.com/office/drawing/2010/main" xmlns="" w="9525">
                 <a:solidFill>
                   <a:srgbClr val="000000"/>
                 </a:solidFill>
@@ -3229,7 +3233,7 @@
           <a:ln/>
           <a:extLst>
             <a:ext uri="{91240B29-F687-4f45-9708-019B960494DF}">
-              <a14:hiddenLine xmlns="" xmlns:a14="http://schemas.microsoft.com/office/drawing/2010/main" w="9525">
+              <a14:hiddenLine xmlns:a14="http://schemas.microsoft.com/office/drawing/2010/main" xmlns="" w="9525">
                 <a:solidFill>
                   <a:srgbClr val="000000"/>
                 </a:solidFill>
@@ -3703,7 +3707,7 @@
           <a:ln/>
           <a:extLst>
             <a:ext uri="{91240B29-F687-4f45-9708-019B960494DF}">
-              <a14:hiddenLine xmlns="" xmlns:a14="http://schemas.microsoft.com/office/drawing/2010/main" w="9525">
+              <a14:hiddenLine xmlns:a14="http://schemas.microsoft.com/office/drawing/2010/main" xmlns="" w="9525">
                 <a:solidFill>
                   <a:srgbClr val="000000"/>
                 </a:solidFill>
@@ -4126,7 +4130,7 @@
           <a:ln/>
           <a:extLst>
             <a:ext uri="{91240B29-F687-4f45-9708-019B960494DF}">
-              <a14:hiddenLine xmlns="" xmlns:a14="http://schemas.microsoft.com/office/drawing/2010/main" w="9525">
+              <a14:hiddenLine xmlns:a14="http://schemas.microsoft.com/office/drawing/2010/main" xmlns="" w="9525">
                 <a:solidFill>
                   <a:srgbClr val="000000"/>
                 </a:solidFill>
@@ -6003,6 +6007,534 @@
 </p:sld>
 </file>
 
+<file path=ppt/slides/slide6.xml><?xml version="1.0" encoding="utf-8"?>
+<p:sld xmlns:a="http://schemas.openxmlformats.org/drawingml/2006/main" xmlns:r="http://schemas.openxmlformats.org/officeDocument/2006/relationships" xmlns:p="http://schemas.openxmlformats.org/presentationml/2006/main">
+  <p:cSld>
+    <p:spTree>
+      <p:nvGrpSpPr>
+        <p:cNvPr id="1" name=""/>
+        <p:cNvGrpSpPr/>
+        <p:nvPr/>
+      </p:nvGrpSpPr>
+      <p:grpSpPr>
+        <a:xfrm>
+          <a:off x="0" y="0"/>
+          <a:ext cx="0" cy="0"/>
+          <a:chOff x="0" y="0"/>
+          <a:chExt cx="0" cy="0"/>
+        </a:xfrm>
+      </p:grpSpPr>
+      <p:sp>
+        <p:nvSpPr>
+          <p:cNvPr id="4" name="Cím 3">
+            <a:extLst>
+              <a:ext uri="{FF2B5EF4-FFF2-40B4-BE49-F238E27FC236}">
+                <a16:creationId xmlns:a16="http://schemas.microsoft.com/office/drawing/2014/main" id="{5D959571-1701-4182-8BFA-17A9BA1FA822}"/>
+              </a:ext>
+            </a:extLst>
+          </p:cNvPr>
+          <p:cNvSpPr>
+            <a:spLocks noGrp="1"/>
+          </p:cNvSpPr>
+          <p:nvPr>
+            <p:ph type="title"/>
+          </p:nvPr>
+        </p:nvSpPr>
+        <p:spPr>
+          <a:xfrm>
+            <a:off x="810001" y="2943775"/>
+            <a:ext cx="10571998" cy="970450"/>
+          </a:xfrm>
+        </p:spPr>
+        <p:txBody>
+          <a:bodyPr/>
+          <a:lstStyle/>
+          <a:p>
+            <a:pPr algn="ctr"/>
+            <a:r>
+              <a:rPr lang="hu-HU" dirty="0"/>
+              <a:t>Többtáblás </a:t>
+            </a:r>
+            <a:r>
+              <a:rPr lang="hu-HU" dirty="0" err="1"/>
+              <a:t>Linq</a:t>
+            </a:r>
+            <a:endParaRPr lang="hu-HU" dirty="0"/>
+          </a:p>
+        </p:txBody>
+      </p:sp>
+    </p:spTree>
+    <p:extLst>
+      <p:ext uri="{BB962C8B-B14F-4D97-AF65-F5344CB8AC3E}">
+        <p14:creationId xmlns:p14="http://schemas.microsoft.com/office/powerpoint/2010/main" val="3973593900"/>
+      </p:ext>
+    </p:extLst>
+  </p:cSld>
+  <p:clrMapOvr>
+    <a:masterClrMapping/>
+  </p:clrMapOvr>
+</p:sld>
+</file>
+
+<file path=ppt/slides/slide7.xml><?xml version="1.0" encoding="utf-8"?>
+<p:sld xmlns:a="http://schemas.openxmlformats.org/drawingml/2006/main" xmlns:r="http://schemas.openxmlformats.org/officeDocument/2006/relationships" xmlns:p="http://schemas.openxmlformats.org/presentationml/2006/main">
+  <p:cSld>
+    <p:spTree>
+      <p:nvGrpSpPr>
+        <p:cNvPr id="1" name=""/>
+        <p:cNvGrpSpPr/>
+        <p:nvPr/>
+      </p:nvGrpSpPr>
+      <p:grpSpPr>
+        <a:xfrm>
+          <a:off x="0" y="0"/>
+          <a:ext cx="0" cy="0"/>
+          <a:chOff x="0" y="0"/>
+          <a:chExt cx="0" cy="0"/>
+        </a:xfrm>
+      </p:grpSpPr>
+      <p:sp>
+        <p:nvSpPr>
+          <p:cNvPr id="2" name="Cím 1">
+            <a:extLst>
+              <a:ext uri="{FF2B5EF4-FFF2-40B4-BE49-F238E27FC236}">
+                <a16:creationId xmlns:a16="http://schemas.microsoft.com/office/drawing/2014/main" id="{9454AB4D-7839-4A42-84D1-61A2FC6BD999}"/>
+              </a:ext>
+            </a:extLst>
+          </p:cNvPr>
+          <p:cNvSpPr>
+            <a:spLocks noGrp="1"/>
+          </p:cNvSpPr>
+          <p:nvPr>
+            <p:ph type="title"/>
+          </p:nvPr>
+        </p:nvSpPr>
+        <p:spPr>
+          <a:xfrm>
+            <a:off x="1915786" y="4211113"/>
+            <a:ext cx="10571998" cy="743659"/>
+          </a:xfrm>
+        </p:spPr>
+        <p:txBody>
+          <a:bodyPr/>
+          <a:lstStyle/>
+          <a:p>
+            <a:r>
+              <a:rPr lang="hu-HU" sz="1600" dirty="0"/>
+              <a:t>Csoportosítja a pozíciókat hogy hol játszanak.</a:t>
+            </a:r>
+          </a:p>
+        </p:txBody>
+      </p:sp>
+      <p:pic>
+        <p:nvPicPr>
+          <p:cNvPr id="6" name="Kép 5">
+            <a:extLst>
+              <a:ext uri="{FF2B5EF4-FFF2-40B4-BE49-F238E27FC236}">
+                <a16:creationId xmlns:a16="http://schemas.microsoft.com/office/drawing/2014/main" id="{C9E0555A-090E-429B-BC18-9BDF3ED9A536}"/>
+              </a:ext>
+            </a:extLst>
+          </p:cNvPr>
+          <p:cNvPicPr>
+            <a:picLocks noChangeAspect="1"/>
+          </p:cNvPicPr>
+          <p:nvPr/>
+        </p:nvPicPr>
+        <p:blipFill>
+          <a:blip r:embed="rId2"/>
+          <a:stretch>
+            <a:fillRect/>
+          </a:stretch>
+        </p:blipFill>
+        <p:spPr>
+          <a:xfrm>
+            <a:off x="4293721" y="2402338"/>
+            <a:ext cx="1802279" cy="1675556"/>
+          </a:xfrm>
+          <a:prstGeom prst="rect">
+            <a:avLst/>
+          </a:prstGeom>
+        </p:spPr>
+      </p:pic>
+      <p:pic>
+        <p:nvPicPr>
+          <p:cNvPr id="7" name="Kép 6">
+            <a:extLst>
+              <a:ext uri="{FF2B5EF4-FFF2-40B4-BE49-F238E27FC236}">
+                <a16:creationId xmlns:a16="http://schemas.microsoft.com/office/drawing/2014/main" id="{7375D2B2-EB74-4299-8ECF-D7AB1DBDCC0D}"/>
+              </a:ext>
+            </a:extLst>
+          </p:cNvPr>
+          <p:cNvPicPr>
+            <a:picLocks noChangeAspect="1"/>
+          </p:cNvPicPr>
+          <p:nvPr/>
+        </p:nvPicPr>
+        <p:blipFill>
+          <a:blip r:embed="rId3"/>
+          <a:stretch>
+            <a:fillRect/>
+          </a:stretch>
+        </p:blipFill>
+        <p:spPr>
+          <a:xfrm>
+            <a:off x="6009196" y="604921"/>
+            <a:ext cx="2735024" cy="2441986"/>
+          </a:xfrm>
+          <a:prstGeom prst="rect">
+            <a:avLst/>
+          </a:prstGeom>
+        </p:spPr>
+      </p:pic>
+      <p:pic>
+        <p:nvPicPr>
+          <p:cNvPr id="8" name="Kép 7">
+            <a:extLst>
+              <a:ext uri="{FF2B5EF4-FFF2-40B4-BE49-F238E27FC236}">
+                <a16:creationId xmlns:a16="http://schemas.microsoft.com/office/drawing/2014/main" id="{3FC3BAAC-F5DF-4CBA-A296-158EDE6A3F7A}"/>
+              </a:ext>
+            </a:extLst>
+          </p:cNvPr>
+          <p:cNvPicPr>
+            <a:picLocks noChangeAspect="1"/>
+          </p:cNvPicPr>
+          <p:nvPr/>
+        </p:nvPicPr>
+        <p:blipFill>
+          <a:blip r:embed="rId4"/>
+          <a:stretch>
+            <a:fillRect/>
+          </a:stretch>
+        </p:blipFill>
+        <p:spPr>
+          <a:xfrm>
+            <a:off x="-17366" y="1"/>
+            <a:ext cx="4100184" cy="3959606"/>
+          </a:xfrm>
+          <a:prstGeom prst="rect">
+            <a:avLst/>
+          </a:prstGeom>
+        </p:spPr>
+      </p:pic>
+    </p:spTree>
+    <p:extLst>
+      <p:ext uri="{BB962C8B-B14F-4D97-AF65-F5344CB8AC3E}">
+        <p14:creationId xmlns:p14="http://schemas.microsoft.com/office/powerpoint/2010/main" val="657935909"/>
+      </p:ext>
+    </p:extLst>
+  </p:cSld>
+  <p:clrMapOvr>
+    <a:masterClrMapping/>
+  </p:clrMapOvr>
+</p:sld>
+</file>
+
+<file path=ppt/slides/slide8.xml><?xml version="1.0" encoding="utf-8"?>
+<p:sld xmlns:a="http://schemas.openxmlformats.org/drawingml/2006/main" xmlns:r="http://schemas.openxmlformats.org/officeDocument/2006/relationships" xmlns:p="http://schemas.openxmlformats.org/presentationml/2006/main">
+  <p:cSld>
+    <p:spTree>
+      <p:nvGrpSpPr>
+        <p:cNvPr id="1" name=""/>
+        <p:cNvGrpSpPr/>
+        <p:nvPr/>
+      </p:nvGrpSpPr>
+      <p:grpSpPr>
+        <a:xfrm>
+          <a:off x="0" y="0"/>
+          <a:ext cx="0" cy="0"/>
+          <a:chOff x="0" y="0"/>
+          <a:chExt cx="0" cy="0"/>
+        </a:xfrm>
+      </p:grpSpPr>
+      <p:sp>
+        <p:nvSpPr>
+          <p:cNvPr id="2" name="Cím 1">
+            <a:extLst>
+              <a:ext uri="{FF2B5EF4-FFF2-40B4-BE49-F238E27FC236}">
+                <a16:creationId xmlns:a16="http://schemas.microsoft.com/office/drawing/2014/main" id="{29F66EA8-F18F-4AC1-99DB-88EABC8C4A58}"/>
+              </a:ext>
+            </a:extLst>
+          </p:cNvPr>
+          <p:cNvSpPr>
+            <a:spLocks noGrp="1"/>
+          </p:cNvSpPr>
+          <p:nvPr>
+            <p:ph type="title"/>
+          </p:nvPr>
+        </p:nvSpPr>
+        <p:spPr>
+          <a:xfrm>
+            <a:off x="1620002" y="3692454"/>
+            <a:ext cx="10571998" cy="970450"/>
+          </a:xfrm>
+        </p:spPr>
+        <p:txBody>
+          <a:bodyPr/>
+          <a:lstStyle/>
+          <a:p>
+            <a:r>
+              <a:rPr lang="hu-HU" sz="1600" dirty="0"/>
+              <a:t>A focisták éves fizetésének átlagát számolja ki</a:t>
+            </a:r>
+          </a:p>
+        </p:txBody>
+      </p:sp>
+      <p:pic>
+        <p:nvPicPr>
+          <p:cNvPr id="3" name="Kép 2">
+            <a:extLst>
+              <a:ext uri="{FF2B5EF4-FFF2-40B4-BE49-F238E27FC236}">
+                <a16:creationId xmlns:a16="http://schemas.microsoft.com/office/drawing/2014/main" id="{7724962C-CC59-4F0C-8A13-B233EC176734}"/>
+              </a:ext>
+            </a:extLst>
+          </p:cNvPr>
+          <p:cNvPicPr>
+            <a:picLocks noChangeAspect="1"/>
+          </p:cNvPicPr>
+          <p:nvPr/>
+        </p:nvPicPr>
+        <p:blipFill>
+          <a:blip r:embed="rId2"/>
+          <a:stretch>
+            <a:fillRect/>
+          </a:stretch>
+        </p:blipFill>
+        <p:spPr>
+          <a:xfrm>
+            <a:off x="0" y="0"/>
+            <a:ext cx="6363227" cy="3165545"/>
+          </a:xfrm>
+          <a:prstGeom prst="rect">
+            <a:avLst/>
+          </a:prstGeom>
+        </p:spPr>
+      </p:pic>
+      <p:pic>
+        <p:nvPicPr>
+          <p:cNvPr id="4" name="Kép 3">
+            <a:extLst>
+              <a:ext uri="{FF2B5EF4-FFF2-40B4-BE49-F238E27FC236}">
+                <a16:creationId xmlns:a16="http://schemas.microsoft.com/office/drawing/2014/main" id="{D1CE2E26-2E66-43B3-8AC4-0AA122BD6D59}"/>
+              </a:ext>
+            </a:extLst>
+          </p:cNvPr>
+          <p:cNvPicPr>
+            <a:picLocks noChangeAspect="1"/>
+          </p:cNvPicPr>
+          <p:nvPr/>
+        </p:nvPicPr>
+        <p:blipFill>
+          <a:blip r:embed="rId3"/>
+          <a:stretch>
+            <a:fillRect/>
+          </a:stretch>
+        </p:blipFill>
+        <p:spPr>
+          <a:xfrm>
+            <a:off x="4291686" y="3228354"/>
+            <a:ext cx="4469544" cy="401291"/>
+          </a:xfrm>
+          <a:prstGeom prst="rect">
+            <a:avLst/>
+          </a:prstGeom>
+        </p:spPr>
+      </p:pic>
+      <p:pic>
+        <p:nvPicPr>
+          <p:cNvPr id="5" name="Kép 4">
+            <a:extLst>
+              <a:ext uri="{FF2B5EF4-FFF2-40B4-BE49-F238E27FC236}">
+                <a16:creationId xmlns:a16="http://schemas.microsoft.com/office/drawing/2014/main" id="{281BC314-A154-4BB7-8BF6-A5942B6BFFF1}"/>
+              </a:ext>
+            </a:extLst>
+          </p:cNvPr>
+          <p:cNvPicPr>
+            <a:picLocks noChangeAspect="1"/>
+          </p:cNvPicPr>
+          <p:nvPr/>
+        </p:nvPicPr>
+        <p:blipFill>
+          <a:blip r:embed="rId4"/>
+          <a:stretch>
+            <a:fillRect/>
+          </a:stretch>
+        </p:blipFill>
+        <p:spPr>
+          <a:xfrm>
+            <a:off x="6913536" y="1795593"/>
+            <a:ext cx="1831524" cy="1032667"/>
+          </a:xfrm>
+          <a:prstGeom prst="rect">
+            <a:avLst/>
+          </a:prstGeom>
+        </p:spPr>
+      </p:pic>
+    </p:spTree>
+    <p:extLst>
+      <p:ext uri="{BB962C8B-B14F-4D97-AF65-F5344CB8AC3E}">
+        <p14:creationId xmlns:p14="http://schemas.microsoft.com/office/powerpoint/2010/main" val="1817569276"/>
+      </p:ext>
+    </p:extLst>
+  </p:cSld>
+  <p:clrMapOvr>
+    <a:masterClrMapping/>
+  </p:clrMapOvr>
+</p:sld>
+</file>
+
+<file path=ppt/slides/slide9.xml><?xml version="1.0" encoding="utf-8"?>
+<p:sld xmlns:a="http://schemas.openxmlformats.org/drawingml/2006/main" xmlns:r="http://schemas.openxmlformats.org/officeDocument/2006/relationships" xmlns:p="http://schemas.openxmlformats.org/presentationml/2006/main">
+  <p:cSld>
+    <p:spTree>
+      <p:nvGrpSpPr>
+        <p:cNvPr id="1" name=""/>
+        <p:cNvGrpSpPr/>
+        <p:nvPr/>
+      </p:nvGrpSpPr>
+      <p:grpSpPr>
+        <a:xfrm>
+          <a:off x="0" y="0"/>
+          <a:ext cx="0" cy="0"/>
+          <a:chOff x="0" y="0"/>
+          <a:chExt cx="0" cy="0"/>
+        </a:xfrm>
+      </p:grpSpPr>
+      <p:sp>
+        <p:nvSpPr>
+          <p:cNvPr id="2" name="Cím 1">
+            <a:extLst>
+              <a:ext uri="{FF2B5EF4-FFF2-40B4-BE49-F238E27FC236}">
+                <a16:creationId xmlns:a16="http://schemas.microsoft.com/office/drawing/2014/main" id="{BCF88CFF-2C25-4B70-BAD4-D825115230A7}"/>
+              </a:ext>
+            </a:extLst>
+          </p:cNvPr>
+          <p:cNvSpPr>
+            <a:spLocks noGrp="1"/>
+          </p:cNvSpPr>
+          <p:nvPr>
+            <p:ph type="title"/>
+          </p:nvPr>
+        </p:nvSpPr>
+        <p:spPr>
+          <a:xfrm>
+            <a:off x="2149703" y="4030359"/>
+            <a:ext cx="10571998" cy="970450"/>
+          </a:xfrm>
+        </p:spPr>
+        <p:txBody>
+          <a:bodyPr/>
+          <a:lstStyle/>
+          <a:p>
+            <a:r>
+              <a:rPr lang="hu-HU" sz="1600" dirty="0"/>
+              <a:t>Játékosok melyik csapathoz tartoznak.</a:t>
+            </a:r>
+          </a:p>
+        </p:txBody>
+      </p:sp>
+      <p:pic>
+        <p:nvPicPr>
+          <p:cNvPr id="3" name="Kép 2">
+            <a:extLst>
+              <a:ext uri="{FF2B5EF4-FFF2-40B4-BE49-F238E27FC236}">
+                <a16:creationId xmlns:a16="http://schemas.microsoft.com/office/drawing/2014/main" id="{A9C22651-62E0-4913-A04C-0FDF5043AF8C}"/>
+              </a:ext>
+            </a:extLst>
+          </p:cNvPr>
+          <p:cNvPicPr>
+            <a:picLocks noChangeAspect="1"/>
+          </p:cNvPicPr>
+          <p:nvPr/>
+        </p:nvPicPr>
+        <p:blipFill>
+          <a:blip r:embed="rId2"/>
+          <a:stretch>
+            <a:fillRect/>
+          </a:stretch>
+        </p:blipFill>
+        <p:spPr>
+          <a:xfrm>
+            <a:off x="0" y="2079"/>
+            <a:ext cx="4932339" cy="4400420"/>
+          </a:xfrm>
+          <a:prstGeom prst="rect">
+            <a:avLst/>
+          </a:prstGeom>
+        </p:spPr>
+      </p:pic>
+      <p:pic>
+        <p:nvPicPr>
+          <p:cNvPr id="4" name="Kép 3">
+            <a:extLst>
+              <a:ext uri="{FF2B5EF4-FFF2-40B4-BE49-F238E27FC236}">
+                <a16:creationId xmlns:a16="http://schemas.microsoft.com/office/drawing/2014/main" id="{4F63587C-0DFE-4A6A-BC8E-D5A2C96BBAE0}"/>
+              </a:ext>
+            </a:extLst>
+          </p:cNvPr>
+          <p:cNvPicPr>
+            <a:picLocks noChangeAspect="1"/>
+          </p:cNvPicPr>
+          <p:nvPr/>
+        </p:nvPicPr>
+        <p:blipFill>
+          <a:blip r:embed="rId3"/>
+          <a:stretch>
+            <a:fillRect/>
+          </a:stretch>
+        </p:blipFill>
+        <p:spPr>
+          <a:xfrm>
+            <a:off x="5042488" y="2117230"/>
+            <a:ext cx="3750638" cy="1719042"/>
+          </a:xfrm>
+          <a:prstGeom prst="rect">
+            <a:avLst/>
+          </a:prstGeom>
+        </p:spPr>
+      </p:pic>
+      <p:pic>
+        <p:nvPicPr>
+          <p:cNvPr id="5" name="Kép 4">
+            <a:extLst>
+              <a:ext uri="{FF2B5EF4-FFF2-40B4-BE49-F238E27FC236}">
+                <a16:creationId xmlns:a16="http://schemas.microsoft.com/office/drawing/2014/main" id="{403FFDAE-4821-4A21-956A-1D7DDACBD4CD}"/>
+              </a:ext>
+            </a:extLst>
+          </p:cNvPr>
+          <p:cNvPicPr>
+            <a:picLocks noChangeAspect="1"/>
+          </p:cNvPicPr>
+          <p:nvPr/>
+        </p:nvPicPr>
+        <p:blipFill>
+          <a:blip r:embed="rId4"/>
+          <a:stretch>
+            <a:fillRect/>
+          </a:stretch>
+        </p:blipFill>
+        <p:spPr>
+          <a:xfrm>
+            <a:off x="8038860" y="135077"/>
+            <a:ext cx="3288367" cy="1982154"/>
+          </a:xfrm>
+          <a:prstGeom prst="rect">
+            <a:avLst/>
+          </a:prstGeom>
+        </p:spPr>
+      </p:pic>
+    </p:spTree>
+    <p:extLst>
+      <p:ext uri="{BB962C8B-B14F-4D97-AF65-F5344CB8AC3E}">
+        <p14:creationId xmlns:p14="http://schemas.microsoft.com/office/powerpoint/2010/main" val="101151733"/>
+      </p:ext>
+    </p:extLst>
+  </p:cSld>
+  <p:clrMapOvr>
+    <a:masterClrMapping/>
+  </p:clrMapOvr>
+</p:sld>
+</file>
+
 <file path=ppt/theme/theme1.xml><?xml version="1.0" encoding="utf-8"?>
 <a:theme xmlns:a="http://schemas.openxmlformats.org/drawingml/2006/main" name="Jegyezhető">
   <a:themeElements>

--- a/Előadás/Linq.ppt.pptx
+++ b/Előadás/Linq.ppt.pptx
@@ -14,6 +14,9 @@
     <p:sldId id="262" r:id="rId8"/>
     <p:sldId id="263" r:id="rId9"/>
     <p:sldId id="264" r:id="rId10"/>
+    <p:sldId id="265" r:id="rId11"/>
+    <p:sldId id="266" r:id="rId12"/>
+    <p:sldId id="267" r:id="rId13"/>
   </p:sldIdLst>
   <p:sldSz cx="12192000" cy="6858000"/>
   <p:notesSz cx="6858000" cy="9144000"/>
@@ -215,7 +218,7 @@
           <a:effectLst/>
           <a:extLst>
             <a:ext uri="{91240B29-F687-4f45-9708-019B960494DF}">
-              <a14:hiddenLine xmlns:a14="http://schemas.microsoft.com/office/drawing/2010/main" xmlns="" w="9525">
+              <a14:hiddenLine xmlns="" xmlns:a14="http://schemas.microsoft.com/office/drawing/2010/main" w="9525">
                 <a:solidFill>
                   <a:srgbClr val="000000"/>
                 </a:solidFill>
@@ -408,7 +411,7 @@
             <a:fld id="{08B9EBBA-996F-894A-B54A-D6246ED52CEA}" type="datetimeFigureOut">
               <a:rPr lang="en-US" dirty="0"/>
               <a:pPr/>
-              <a:t>2/28/2024</a:t>
+              <a:t>2/29/2024</a:t>
             </a:fld>
             <a:endParaRPr lang="en-US" dirty="0"/>
           </a:p>
@@ -723,7 +726,7 @@
             <a:fld id="{18C79C5D-2A6F-F04D-97DA-BEF2467B64E4}" type="datetimeFigureOut">
               <a:rPr lang="en-US" dirty="0"/>
               <a:pPr/>
-              <a:t>2/28/2024</a:t>
+              <a:t>2/29/2024</a:t>
             </a:fld>
             <a:endParaRPr lang="en-US" dirty="0"/>
           </a:p>
@@ -1208,7 +1211,7 @@
             <a:fld id="{8DFA1846-DA80-1C48-A609-854EA85C59AD}" type="datetimeFigureOut">
               <a:rPr lang="en-US" dirty="0"/>
               <a:pPr/>
-              <a:t>2/28/2024</a:t>
+              <a:t>2/29/2024</a:t>
             </a:fld>
             <a:endParaRPr lang="en-US" dirty="0"/>
           </a:p>
@@ -1574,7 +1577,7 @@
             <a:fld id="{FBF54567-0DE4-3F47-BF90-CB84690072F9}" type="datetimeFigureOut">
               <a:rPr lang="en-US" dirty="0"/>
               <a:pPr/>
-              <a:t>2/28/2024</a:t>
+              <a:t>2/29/2024</a:t>
             </a:fld>
             <a:endParaRPr lang="en-US" dirty="0"/>
           </a:p>
@@ -1725,7 +1728,7 @@
           <a:ln/>
           <a:extLst>
             <a:ext uri="{91240B29-F687-4f45-9708-019B960494DF}">
-              <a14:hiddenLine xmlns:a14="http://schemas.microsoft.com/office/drawing/2010/main" xmlns="" w="9525">
+              <a14:hiddenLine xmlns="" xmlns:a14="http://schemas.microsoft.com/office/drawing/2010/main" w="9525">
                 <a:solidFill>
                   <a:srgbClr val="000000"/>
                 </a:solidFill>
@@ -1844,7 +1847,7 @@
             <a:fld id="{C6C52C72-DE31-F449-A4ED-4C594FD91407}" type="datetimeFigureOut">
               <a:rPr lang="en-US" dirty="0"/>
               <a:pPr/>
-              <a:t>2/28/2024</a:t>
+              <a:t>2/29/2024</a:t>
             </a:fld>
             <a:endParaRPr lang="en-US" dirty="0"/>
           </a:p>
@@ -1997,7 +2000,7 @@
           <a:ln/>
           <a:extLst>
             <a:ext uri="{91240B29-F687-4f45-9708-019B960494DF}">
-              <a14:hiddenLine xmlns:a14="http://schemas.microsoft.com/office/drawing/2010/main" xmlns="" w="9525">
+              <a14:hiddenLine xmlns="" xmlns:a14="http://schemas.microsoft.com/office/drawing/2010/main" w="9525">
                 <a:solidFill>
                   <a:srgbClr val="000000"/>
                 </a:solidFill>
@@ -2126,7 +2129,7 @@
             <a:fld id="{ED62726E-379B-B349-9EED-81ED093FA806}" type="datetimeFigureOut">
               <a:rPr lang="en-US" dirty="0"/>
               <a:pPr/>
-              <a:t>2/28/2024</a:t>
+              <a:t>2/29/2024</a:t>
             </a:fld>
             <a:endParaRPr lang="en-US" dirty="0"/>
           </a:p>
@@ -2277,7 +2280,7 @@
           <a:ln/>
           <a:extLst>
             <a:ext uri="{91240B29-F687-4f45-9708-019B960494DF}">
-              <a14:hiddenLine xmlns:a14="http://schemas.microsoft.com/office/drawing/2010/main" xmlns="" w="9525">
+              <a14:hiddenLine xmlns="" xmlns:a14="http://schemas.microsoft.com/office/drawing/2010/main" w="9525">
                 <a:solidFill>
                   <a:srgbClr val="000000"/>
                 </a:solidFill>
@@ -2406,7 +2409,7 @@
             <a:fld id="{9B3A1323-8D79-1946-B0D7-40001CF92E9D}" type="datetimeFigureOut">
               <a:rPr lang="en-US" dirty="0"/>
               <a:pPr/>
-              <a:t>2/28/2024</a:t>
+              <a:t>2/29/2024</a:t>
             </a:fld>
             <a:endParaRPr lang="en-US" dirty="0"/>
           </a:p>
@@ -2746,7 +2749,7 @@
             <a:fld id="{8DFA1846-DA80-1C48-A609-854EA85C59AD}" type="datetimeFigureOut">
               <a:rPr lang="en-US" dirty="0"/>
               <a:pPr/>
-              <a:t>2/28/2024</a:t>
+              <a:t>2/29/2024</a:t>
             </a:fld>
             <a:endParaRPr lang="en-US" dirty="0"/>
           </a:p>
@@ -2897,7 +2900,7 @@
           <a:ln/>
           <a:extLst>
             <a:ext uri="{91240B29-F687-4f45-9708-019B960494DF}">
-              <a14:hiddenLine xmlns:a14="http://schemas.microsoft.com/office/drawing/2010/main" xmlns="" w="9525">
+              <a14:hiddenLine xmlns="" xmlns:a14="http://schemas.microsoft.com/office/drawing/2010/main" w="9525">
                 <a:solidFill>
                   <a:srgbClr val="000000"/>
                 </a:solidFill>
@@ -3082,7 +3085,7 @@
             <a:fld id="{57302355-E14B-8545-A8F8-0FE83CC9D524}" type="datetimeFigureOut">
               <a:rPr lang="en-US" dirty="0"/>
               <a:pPr/>
-              <a:t>2/28/2024</a:t>
+              <a:t>2/29/2024</a:t>
             </a:fld>
             <a:endParaRPr lang="en-US" dirty="0"/>
           </a:p>
@@ -3233,7 +3236,7 @@
           <a:ln/>
           <a:extLst>
             <a:ext uri="{91240B29-F687-4f45-9708-019B960494DF}">
-              <a14:hiddenLine xmlns:a14="http://schemas.microsoft.com/office/drawing/2010/main" xmlns="" w="9525">
+              <a14:hiddenLine xmlns="" xmlns:a14="http://schemas.microsoft.com/office/drawing/2010/main" w="9525">
                 <a:solidFill>
                   <a:srgbClr val="000000"/>
                 </a:solidFill>
@@ -3556,7 +3559,7 @@
             <a:fld id="{02640F58-564D-2B4F-AE67-E407BA4FCF45}" type="datetimeFigureOut">
               <a:rPr lang="en-US" dirty="0"/>
               <a:pPr/>
-              <a:t>2/28/2024</a:t>
+              <a:t>2/29/2024</a:t>
             </a:fld>
             <a:endParaRPr lang="en-US" dirty="0"/>
           </a:p>
@@ -3707,7 +3710,7 @@
           <a:ln/>
           <a:extLst>
             <a:ext uri="{91240B29-F687-4f45-9708-019B960494DF}">
-              <a14:hiddenLine xmlns:a14="http://schemas.microsoft.com/office/drawing/2010/main" xmlns="" w="9525">
+              <a14:hiddenLine xmlns="" xmlns:a14="http://schemas.microsoft.com/office/drawing/2010/main" w="9525">
                 <a:solidFill>
                   <a:srgbClr val="000000"/>
                 </a:solidFill>
@@ -3774,7 +3777,7 @@
             <a:fld id="{F13A34C8-038E-2045-AF43-DF7DBB8E0E9E}" type="datetimeFigureOut">
               <a:rPr lang="en-US" dirty="0"/>
               <a:pPr/>
-              <a:t>2/28/2024</a:t>
+              <a:t>2/29/2024</a:t>
             </a:fld>
             <a:endParaRPr lang="en-US" dirty="0"/>
           </a:p>
@@ -3866,7 +3869,7 @@
             <a:fld id="{8818C68F-D26B-8F47-958C-23B49CF8A634}" type="datetimeFigureOut">
               <a:rPr lang="en-US" dirty="0"/>
               <a:pPr/>
-              <a:t>2/28/2024</a:t>
+              <a:t>2/29/2024</a:t>
             </a:fld>
             <a:endParaRPr lang="en-US" dirty="0"/>
           </a:p>
@@ -4130,7 +4133,7 @@
           <a:ln/>
           <a:extLst>
             <a:ext uri="{91240B29-F687-4f45-9708-019B960494DF}">
-              <a14:hiddenLine xmlns:a14="http://schemas.microsoft.com/office/drawing/2010/main" xmlns="" w="9525">
+              <a14:hiddenLine xmlns="" xmlns:a14="http://schemas.microsoft.com/office/drawing/2010/main" w="9525">
                 <a:solidFill>
                   <a:srgbClr val="000000"/>
                 </a:solidFill>
@@ -4330,7 +4333,7 @@
             <a:fld id="{D0DF5E60-9974-AC48-9591-99C2BB44B7CF}" type="datetimeFigureOut">
               <a:rPr lang="en-US" dirty="0"/>
               <a:pPr/>
-              <a:t>2/28/2024</a:t>
+              <a:t>2/29/2024</a:t>
             </a:fld>
             <a:endParaRPr lang="en-US" dirty="0"/>
           </a:p>
@@ -4640,7 +4643,7 @@
             <a:fld id="{18C79C5D-2A6F-F04D-97DA-BEF2467B64E4}" type="datetimeFigureOut">
               <a:rPr lang="en-US" dirty="0"/>
               <a:pPr/>
-              <a:t>2/28/2024</a:t>
+              <a:t>2/29/2024</a:t>
             </a:fld>
             <a:endParaRPr lang="en-US" dirty="0"/>
           </a:p>
@@ -4907,7 +4910,7 @@
             <a:fld id="{09B482E8-6E0E-1B4F-B1FD-C69DB9E858D9}" type="datetimeFigureOut">
               <a:rPr lang="en-US" dirty="0"/>
               <a:pPr/>
-              <a:t>2/28/2024</a:t>
+              <a:t>2/29/2024</a:t>
             </a:fld>
             <a:endParaRPr lang="en-US" dirty="0"/>
           </a:p>
@@ -5448,6 +5451,325 @@
 </p:sld>
 </file>
 
+<file path=ppt/slides/slide10.xml><?xml version="1.0" encoding="utf-8"?>
+<p:sld xmlns:a="http://schemas.openxmlformats.org/drawingml/2006/main" xmlns:r="http://schemas.openxmlformats.org/officeDocument/2006/relationships" xmlns:p="http://schemas.openxmlformats.org/presentationml/2006/main">
+  <p:cSld>
+    <p:spTree>
+      <p:nvGrpSpPr>
+        <p:cNvPr id="1" name=""/>
+        <p:cNvGrpSpPr/>
+        <p:nvPr/>
+      </p:nvGrpSpPr>
+      <p:grpSpPr>
+        <a:xfrm>
+          <a:off x="0" y="0"/>
+          <a:ext cx="0" cy="0"/>
+          <a:chOff x="0" y="0"/>
+          <a:chExt cx="0" cy="0"/>
+        </a:xfrm>
+      </p:grpSpPr>
+      <p:sp>
+        <p:nvSpPr>
+          <p:cNvPr id="2" name="Cím 1">
+            <a:extLst>
+              <a:ext uri="{FF2B5EF4-FFF2-40B4-BE49-F238E27FC236}">
+                <a16:creationId xmlns:a16="http://schemas.microsoft.com/office/drawing/2014/main" id="{A5CAF8FC-6D2F-4B65-A552-C54FAACBEEF7}"/>
+              </a:ext>
+            </a:extLst>
+          </p:cNvPr>
+          <p:cNvSpPr>
+            <a:spLocks noGrp="1"/>
+          </p:cNvSpPr>
+          <p:nvPr>
+            <p:ph type="title"/>
+          </p:nvPr>
+        </p:nvSpPr>
+        <p:spPr>
+          <a:xfrm>
+            <a:off x="810001" y="2943775"/>
+            <a:ext cx="10571998" cy="970450"/>
+          </a:xfrm>
+        </p:spPr>
+        <p:txBody>
+          <a:bodyPr/>
+          <a:lstStyle/>
+          <a:p>
+            <a:pPr algn="ctr"/>
+            <a:r>
+              <a:rPr lang="hu-HU" dirty="0" err="1"/>
+              <a:t>Dictionary</a:t>
+            </a:r>
+            <a:r>
+              <a:rPr lang="hu-HU" dirty="0"/>
+              <a:t> </a:t>
+            </a:r>
+            <a:r>
+              <a:rPr lang="hu-HU" dirty="0" err="1"/>
+              <a:t>Linq</a:t>
+            </a:r>
+            <a:endParaRPr lang="hu-HU" dirty="0"/>
+          </a:p>
+        </p:txBody>
+      </p:sp>
+    </p:spTree>
+    <p:extLst>
+      <p:ext uri="{BB962C8B-B14F-4D97-AF65-F5344CB8AC3E}">
+        <p14:creationId xmlns:p14="http://schemas.microsoft.com/office/powerpoint/2010/main" val="2091415572"/>
+      </p:ext>
+    </p:extLst>
+  </p:cSld>
+  <p:clrMapOvr>
+    <a:masterClrMapping/>
+  </p:clrMapOvr>
+</p:sld>
+</file>
+
+<file path=ppt/slides/slide11.xml><?xml version="1.0" encoding="utf-8"?>
+<p:sld xmlns:a="http://schemas.openxmlformats.org/drawingml/2006/main" xmlns:r="http://schemas.openxmlformats.org/officeDocument/2006/relationships" xmlns:p="http://schemas.openxmlformats.org/presentationml/2006/main">
+  <p:cSld>
+    <p:spTree>
+      <p:nvGrpSpPr>
+        <p:cNvPr id="1" name=""/>
+        <p:cNvGrpSpPr/>
+        <p:nvPr/>
+      </p:nvGrpSpPr>
+      <p:grpSpPr>
+        <a:xfrm>
+          <a:off x="0" y="0"/>
+          <a:ext cx="0" cy="0"/>
+          <a:chOff x="0" y="0"/>
+          <a:chExt cx="0" cy="0"/>
+        </a:xfrm>
+      </p:grpSpPr>
+      <p:sp>
+        <p:nvSpPr>
+          <p:cNvPr id="2" name="Cím 1">
+            <a:extLst>
+              <a:ext uri="{FF2B5EF4-FFF2-40B4-BE49-F238E27FC236}">
+                <a16:creationId xmlns:a16="http://schemas.microsoft.com/office/drawing/2014/main" id="{AD553D03-2FC7-4CFD-B929-4C6EB72DFB27}"/>
+              </a:ext>
+            </a:extLst>
+          </p:cNvPr>
+          <p:cNvSpPr>
+            <a:spLocks noGrp="1"/>
+          </p:cNvSpPr>
+          <p:nvPr>
+            <p:ph type="title"/>
+          </p:nvPr>
+        </p:nvSpPr>
+        <p:spPr>
+          <a:xfrm>
+            <a:off x="810001" y="4891598"/>
+            <a:ext cx="10571998" cy="970450"/>
+          </a:xfrm>
+        </p:spPr>
+        <p:txBody>
+          <a:bodyPr/>
+          <a:lstStyle/>
+          <a:p>
+            <a:r>
+              <a:rPr lang="hu-HU" sz="2800" dirty="0"/>
+              <a:t>Átlagosan mennyi bajnoki címmel rendelkezik egy adott ország</a:t>
+            </a:r>
+          </a:p>
+        </p:txBody>
+      </p:sp>
+      <p:pic>
+        <p:nvPicPr>
+          <p:cNvPr id="3" name="Kép 2">
+            <a:extLst>
+              <a:ext uri="{FF2B5EF4-FFF2-40B4-BE49-F238E27FC236}">
+                <a16:creationId xmlns:a16="http://schemas.microsoft.com/office/drawing/2014/main" id="{1DE1B71A-9330-46ED-9BD4-62F73E7B901E}"/>
+              </a:ext>
+            </a:extLst>
+          </p:cNvPr>
+          <p:cNvPicPr>
+            <a:picLocks noChangeAspect="1"/>
+          </p:cNvPicPr>
+          <p:nvPr/>
+        </p:nvPicPr>
+        <p:blipFill>
+          <a:blip r:embed="rId2"/>
+          <a:stretch>
+            <a:fillRect/>
+          </a:stretch>
+        </p:blipFill>
+        <p:spPr>
+          <a:xfrm>
+            <a:off x="0" y="0"/>
+            <a:ext cx="5950328" cy="4763386"/>
+          </a:xfrm>
+          <a:prstGeom prst="rect">
+            <a:avLst/>
+          </a:prstGeom>
+        </p:spPr>
+      </p:pic>
+      <p:pic>
+        <p:nvPicPr>
+          <p:cNvPr id="4" name="Kép 3">
+            <a:extLst>
+              <a:ext uri="{FF2B5EF4-FFF2-40B4-BE49-F238E27FC236}">
+                <a16:creationId xmlns:a16="http://schemas.microsoft.com/office/drawing/2014/main" id="{3632F703-7C3F-494F-B348-41E6CDDA355E}"/>
+              </a:ext>
+            </a:extLst>
+          </p:cNvPr>
+          <p:cNvPicPr>
+            <a:picLocks noChangeAspect="1"/>
+          </p:cNvPicPr>
+          <p:nvPr/>
+        </p:nvPicPr>
+        <p:blipFill>
+          <a:blip r:embed="rId3"/>
+          <a:stretch>
+            <a:fillRect/>
+          </a:stretch>
+        </p:blipFill>
+        <p:spPr>
+          <a:xfrm>
+            <a:off x="6599482" y="0"/>
+            <a:ext cx="3525179" cy="1170244"/>
+          </a:xfrm>
+          <a:prstGeom prst="rect">
+            <a:avLst/>
+          </a:prstGeom>
+        </p:spPr>
+      </p:pic>
+    </p:spTree>
+    <p:extLst>
+      <p:ext uri="{BB962C8B-B14F-4D97-AF65-F5344CB8AC3E}">
+        <p14:creationId xmlns:p14="http://schemas.microsoft.com/office/powerpoint/2010/main" val="466462055"/>
+      </p:ext>
+    </p:extLst>
+  </p:cSld>
+  <p:clrMapOvr>
+    <a:masterClrMapping/>
+  </p:clrMapOvr>
+</p:sld>
+</file>
+
+<file path=ppt/slides/slide12.xml><?xml version="1.0" encoding="utf-8"?>
+<p:sld xmlns:a="http://schemas.openxmlformats.org/drawingml/2006/main" xmlns:r="http://schemas.openxmlformats.org/officeDocument/2006/relationships" xmlns:p="http://schemas.openxmlformats.org/presentationml/2006/main">
+  <p:cSld>
+    <p:spTree>
+      <p:nvGrpSpPr>
+        <p:cNvPr id="1" name=""/>
+        <p:cNvGrpSpPr/>
+        <p:nvPr/>
+      </p:nvGrpSpPr>
+      <p:grpSpPr>
+        <a:xfrm>
+          <a:off x="0" y="0"/>
+          <a:ext cx="0" cy="0"/>
+          <a:chOff x="0" y="0"/>
+          <a:chExt cx="0" cy="0"/>
+        </a:xfrm>
+      </p:grpSpPr>
+      <p:sp>
+        <p:nvSpPr>
+          <p:cNvPr id="2" name="Cím 1">
+            <a:extLst>
+              <a:ext uri="{FF2B5EF4-FFF2-40B4-BE49-F238E27FC236}">
+                <a16:creationId xmlns:a16="http://schemas.microsoft.com/office/drawing/2014/main" id="{D30595FC-E2EF-4EE7-9F02-43B1A851C1DA}"/>
+              </a:ext>
+            </a:extLst>
+          </p:cNvPr>
+          <p:cNvSpPr>
+            <a:spLocks noGrp="1"/>
+          </p:cNvSpPr>
+          <p:nvPr>
+            <p:ph type="title"/>
+          </p:nvPr>
+        </p:nvSpPr>
+        <p:spPr>
+          <a:xfrm>
+            <a:off x="468094" y="4375133"/>
+            <a:ext cx="10571998" cy="970450"/>
+          </a:xfrm>
+        </p:spPr>
+        <p:txBody>
+          <a:bodyPr/>
+          <a:lstStyle/>
+          <a:p>
+            <a:r>
+              <a:rPr lang="hu-HU" sz="2800" dirty="0"/>
+              <a:t>Egy adott csapat minden adata</a:t>
+            </a:r>
+          </a:p>
+        </p:txBody>
+      </p:sp>
+      <p:pic>
+        <p:nvPicPr>
+          <p:cNvPr id="3" name="Kép 2">
+            <a:extLst>
+              <a:ext uri="{FF2B5EF4-FFF2-40B4-BE49-F238E27FC236}">
+                <a16:creationId xmlns:a16="http://schemas.microsoft.com/office/drawing/2014/main" id="{8E6DF441-0F51-4808-A912-7DC0F11FEBE6}"/>
+              </a:ext>
+            </a:extLst>
+          </p:cNvPr>
+          <p:cNvPicPr>
+            <a:picLocks noChangeAspect="1"/>
+          </p:cNvPicPr>
+          <p:nvPr/>
+        </p:nvPicPr>
+        <p:blipFill>
+          <a:blip r:embed="rId2"/>
+          <a:stretch>
+            <a:fillRect/>
+          </a:stretch>
+        </p:blipFill>
+        <p:spPr>
+          <a:xfrm>
+            <a:off x="0" y="-1"/>
+            <a:ext cx="7273165" cy="3983603"/>
+          </a:xfrm>
+          <a:prstGeom prst="rect">
+            <a:avLst/>
+          </a:prstGeom>
+        </p:spPr>
+      </p:pic>
+      <p:pic>
+        <p:nvPicPr>
+          <p:cNvPr id="4" name="Kép 3">
+            <a:extLst>
+              <a:ext uri="{FF2B5EF4-FFF2-40B4-BE49-F238E27FC236}">
+                <a16:creationId xmlns:a16="http://schemas.microsoft.com/office/drawing/2014/main" id="{036CAD57-A658-4C19-8DBC-FDF60968EAF3}"/>
+              </a:ext>
+            </a:extLst>
+          </p:cNvPr>
+          <p:cNvPicPr>
+            <a:picLocks noChangeAspect="1"/>
+          </p:cNvPicPr>
+          <p:nvPr/>
+        </p:nvPicPr>
+        <p:blipFill>
+          <a:blip r:embed="rId3"/>
+          <a:stretch>
+            <a:fillRect/>
+          </a:stretch>
+        </p:blipFill>
+        <p:spPr>
+          <a:xfrm>
+            <a:off x="5567062" y="0"/>
+            <a:ext cx="6624938" cy="611533"/>
+          </a:xfrm>
+          <a:prstGeom prst="rect">
+            <a:avLst/>
+          </a:prstGeom>
+        </p:spPr>
+      </p:pic>
+    </p:spTree>
+    <p:extLst>
+      <p:ext uri="{BB962C8B-B14F-4D97-AF65-F5344CB8AC3E}">
+        <p14:creationId xmlns:p14="http://schemas.microsoft.com/office/powerpoint/2010/main" val="655488771"/>
+      </p:ext>
+    </p:extLst>
+  </p:cSld>
+  <p:clrMapOvr>
+    <a:masterClrMapping/>
+  </p:clrMapOvr>
+</p:sld>
+</file>
+
 <file path=ppt/slides/slide2.xml><?xml version="1.0" encoding="utf-8"?>
 <p:sld xmlns:a="http://schemas.openxmlformats.org/drawingml/2006/main" xmlns:r="http://schemas.openxmlformats.org/officeDocument/2006/relationships" xmlns:p="http://schemas.openxmlformats.org/presentationml/2006/main">
   <p:cSld>
@@ -6454,8 +6776,8 @@
         </p:blipFill>
         <p:spPr>
           <a:xfrm>
-            <a:off x="0" y="2079"/>
-            <a:ext cx="4932339" cy="4400420"/>
+            <a:off x="0" y="2078"/>
+            <a:ext cx="4932339" cy="4681239"/>
           </a:xfrm>
           <a:prstGeom prst="rect">
             <a:avLst/>

--- a/Előadás/Linq.ppt.pptx
+++ b/Előadás/Linq.ppt.pptx
@@ -218,7 +218,7 @@
           <a:effectLst/>
           <a:extLst>
             <a:ext uri="{91240B29-F687-4f45-9708-019B960494DF}">
-              <a14:hiddenLine xmlns="" xmlns:a14="http://schemas.microsoft.com/office/drawing/2010/main" w="9525">
+              <a14:hiddenLine xmlns:a14="http://schemas.microsoft.com/office/drawing/2010/main" xmlns="" w="9525">
                 <a:solidFill>
                   <a:srgbClr val="000000"/>
                 </a:solidFill>
@@ -1728,7 +1728,7 @@
           <a:ln/>
           <a:extLst>
             <a:ext uri="{91240B29-F687-4f45-9708-019B960494DF}">
-              <a14:hiddenLine xmlns="" xmlns:a14="http://schemas.microsoft.com/office/drawing/2010/main" w="9525">
+              <a14:hiddenLine xmlns:a14="http://schemas.microsoft.com/office/drawing/2010/main" xmlns="" w="9525">
                 <a:solidFill>
                   <a:srgbClr val="000000"/>
                 </a:solidFill>
@@ -2000,7 +2000,7 @@
           <a:ln/>
           <a:extLst>
             <a:ext uri="{91240B29-F687-4f45-9708-019B960494DF}">
-              <a14:hiddenLine xmlns="" xmlns:a14="http://schemas.microsoft.com/office/drawing/2010/main" w="9525">
+              <a14:hiddenLine xmlns:a14="http://schemas.microsoft.com/office/drawing/2010/main" xmlns="" w="9525">
                 <a:solidFill>
                   <a:srgbClr val="000000"/>
                 </a:solidFill>
@@ -2280,7 +2280,7 @@
           <a:ln/>
           <a:extLst>
             <a:ext uri="{91240B29-F687-4f45-9708-019B960494DF}">
-              <a14:hiddenLine xmlns="" xmlns:a14="http://schemas.microsoft.com/office/drawing/2010/main" w="9525">
+              <a14:hiddenLine xmlns:a14="http://schemas.microsoft.com/office/drawing/2010/main" xmlns="" w="9525">
                 <a:solidFill>
                   <a:srgbClr val="000000"/>
                 </a:solidFill>
@@ -2900,7 +2900,7 @@
           <a:ln/>
           <a:extLst>
             <a:ext uri="{91240B29-F687-4f45-9708-019B960494DF}">
-              <a14:hiddenLine xmlns="" xmlns:a14="http://schemas.microsoft.com/office/drawing/2010/main" w="9525">
+              <a14:hiddenLine xmlns:a14="http://schemas.microsoft.com/office/drawing/2010/main" xmlns="" w="9525">
                 <a:solidFill>
                   <a:srgbClr val="000000"/>
                 </a:solidFill>
@@ -3236,7 +3236,7 @@
           <a:ln/>
           <a:extLst>
             <a:ext uri="{91240B29-F687-4f45-9708-019B960494DF}">
-              <a14:hiddenLine xmlns="" xmlns:a14="http://schemas.microsoft.com/office/drawing/2010/main" w="9525">
+              <a14:hiddenLine xmlns:a14="http://schemas.microsoft.com/office/drawing/2010/main" xmlns="" w="9525">
                 <a:solidFill>
                   <a:srgbClr val="000000"/>
                 </a:solidFill>
@@ -3710,7 +3710,7 @@
           <a:ln/>
           <a:extLst>
             <a:ext uri="{91240B29-F687-4f45-9708-019B960494DF}">
-              <a14:hiddenLine xmlns="" xmlns:a14="http://schemas.microsoft.com/office/drawing/2010/main" w="9525">
+              <a14:hiddenLine xmlns:a14="http://schemas.microsoft.com/office/drawing/2010/main" xmlns="" w="9525">
                 <a:solidFill>
                   <a:srgbClr val="000000"/>
                 </a:solidFill>
@@ -4133,7 +4133,7 @@
           <a:ln/>
           <a:extLst>
             <a:ext uri="{91240B29-F687-4f45-9708-019B960494DF}">
-              <a14:hiddenLine xmlns="" xmlns:a14="http://schemas.microsoft.com/office/drawing/2010/main" w="9525">
+              <a14:hiddenLine xmlns:a14="http://schemas.microsoft.com/office/drawing/2010/main" xmlns="" w="9525">
                 <a:solidFill>
                   <a:srgbClr val="000000"/>
                 </a:solidFill>
@@ -5559,7 +5559,7 @@
         </p:nvSpPr>
         <p:spPr>
           <a:xfrm>
-            <a:off x="810001" y="4891598"/>
+            <a:off x="699164" y="5307234"/>
             <a:ext cx="10571998" cy="970450"/>
           </a:xfrm>
         </p:spPr>
@@ -5597,7 +5597,7 @@
         <p:spPr>
           <a:xfrm>
             <a:off x="0" y="0"/>
-            <a:ext cx="5950328" cy="4763386"/>
+            <a:ext cx="6114572" cy="5208041"/>
           </a:xfrm>
           <a:prstGeom prst="rect">
             <a:avLst/>
@@ -5905,7 +5905,7 @@
               <a:buNone/>
             </a:pPr>
             <a:r>
-              <a:rPr lang="hu-HU" dirty="0"/>
+              <a:rPr lang="hu-HU" sz="2400" b="1" dirty="0"/>
               <a:t>Ebben a feladatban az összes csapatot névsor szerint sorakoztatja fel</a:t>
             </a:r>
           </a:p>
@@ -6056,7 +6056,7 @@
         </p:nvSpPr>
         <p:spPr>
           <a:xfrm>
-            <a:off x="216310" y="3807816"/>
+            <a:off x="0" y="5007074"/>
             <a:ext cx="10571998" cy="970450"/>
           </a:xfrm>
         </p:spPr>
@@ -6065,7 +6065,7 @@
           <a:lstStyle/>
           <a:p>
             <a:r>
-              <a:rPr lang="hu-HU" sz="1600" b="0" dirty="0"/>
+              <a:rPr lang="hu-HU" sz="2400" dirty="0"/>
               <a:t>Itt megkaphatjuk  hogy országonkénti mennyi csapat van</a:t>
             </a:r>
           </a:p>
@@ -6125,8 +6125,8 @@
         </p:blipFill>
         <p:spPr>
           <a:xfrm>
-            <a:off x="0" y="0"/>
-            <a:ext cx="3238097" cy="3975174"/>
+            <a:off x="0" y="-1"/>
+            <a:ext cx="6331527" cy="4856567"/>
           </a:xfrm>
           <a:prstGeom prst="rect">
             <a:avLst/>
@@ -6220,7 +6220,7 @@
           <a:lstStyle/>
           <a:p>
             <a:r>
-              <a:rPr lang="hu-HU" sz="1600" b="0" dirty="0"/>
+              <a:rPr lang="hu-HU" sz="2000" dirty="0"/>
               <a:t>Itt megkapjuk a 3 legtöbb bajnoki címmel rendelkező csapatot</a:t>
             </a:r>
           </a:p>
